--- a/classes/misc/Fodor_NewOrleans.pptx
+++ b/classes/misc/Fodor_NewOrleans.pptx
@@ -317,7 +317,7 @@
             <a:fld id="{DD612931-EB22-46D2-8F98-314D21ECAFBC}" type="datetimeFigureOut">
               <a:rPr lang="en-US" smtClean="0"/>
               <a:pPr/>
-              <a:t>10/2/2016</a:t>
+              <a:t>11/6/2016</a:t>
             </a:fld>
             <a:endParaRPr lang="en-US"/>
           </a:p>
@@ -1405,7 +1405,7 @@
             <a:fld id="{1D8BD707-D9CF-40AE-B4C6-C98DA3205C09}" type="datetimeFigureOut">
               <a:rPr lang="en-US" smtClean="0"/>
               <a:pPr/>
-              <a:t>10/2/2016</a:t>
+              <a:t>11/6/2016</a:t>
             </a:fld>
             <a:endParaRPr lang="en-US"/>
           </a:p>
@@ -4490,7 +4490,7 @@
           <a:graphicData uri="http://schemas.openxmlformats.org/presentationml/2006/ole">
             <mc:AlternateContent xmlns:mc="http://schemas.openxmlformats.org/markup-compatibility/2006">
               <mc:Choice xmlns:v="urn:schemas-microsoft-com:vml" Requires="v">
-                <p:oleObj spid="_x0000_s1128" name="Bitmap Image" r:id="rId4" imgW="7306695" imgH="5657143" progId="PBrush">
+                <p:oleObj spid="_x0000_s1130" name="Bitmap Image" r:id="rId4" imgW="7306695" imgH="5657143" progId="PBrush">
                   <p:embed/>
                 </p:oleObj>
               </mc:Choice>
@@ -8259,7 +8259,7 @@
         <p:spPr>
           <a:xfrm>
             <a:off x="152400" y="4504551"/>
-            <a:ext cx="8763000" cy="276999"/>
+            <a:ext cx="8763000" cy="461665"/>
           </a:xfrm>
           <a:prstGeom prst="rect">
             <a:avLst/>
@@ -8288,9 +8288,15 @@
               <a:rPr lang="en-US" sz="1200" dirty="0"/>
               <a:t> Datasets: Tools and Biological Insights– </a:t>
             </a:r>
-            <a:r>
-              <a:rPr lang="en-US" sz="1200" dirty="0" err="1"/>
-              <a:t>mbio</a:t>
+          </a:p>
+          <a:p>
+            <a:r>
+              <a:rPr lang="en-US" sz="1200" dirty="0"/>
+              <a:t>PLOS Comp. </a:t>
+            </a:r>
+            <a:r>
+              <a:rPr lang="en-US" sz="1200"/>
+              <a:t>Bio</a:t>
             </a:r>
             <a:r>
               <a:rPr lang="en-US" sz="1200" dirty="0"/>
@@ -8505,7 +8511,7 @@
         <p:spPr>
           <a:xfrm>
             <a:off x="152400" y="4504551"/>
-            <a:ext cx="8763000" cy="276999"/>
+            <a:ext cx="8763000" cy="461665"/>
           </a:xfrm>
           <a:prstGeom prst="rect">
             <a:avLst/>
@@ -8534,13 +8540,15 @@
               <a:rPr lang="en-US" sz="1200" dirty="0"/>
               <a:t> Datasets: Tools and Biological Insights– </a:t>
             </a:r>
-            <a:r>
-              <a:rPr lang="en-US" sz="1200" dirty="0" err="1"/>
-              <a:t>mbio</a:t>
+          </a:p>
+          <a:p>
+            <a:r>
+              <a:rPr lang="en-US" sz="1200"/>
+              <a:t>PLOS Comp Bio, </a:t>
             </a:r>
             <a:r>
               <a:rPr lang="en-US" sz="1200" dirty="0"/>
-              <a:t>, 2016</a:t>
+              <a:t>2016</a:t>
             </a:r>
           </a:p>
         </p:txBody>
